--- a/평균, 분산 임용고시 2005.pptx
+++ b/평균, 분산 임용고시 2005.pptx
@@ -249,7 +249,7 @@
           <a:p>
             <a:fld id="{5B3AD1D6-AE87-C841-B3FD-7C9F7FCAE5AE}" type="datetimeFigureOut">
               <a:rPr lang="en-US" smtClean="0"/>
-              <a:t>12/15/19</a:t>
+              <a:t>12/17/19</a:t>
             </a:fld>
             <a:endParaRPr lang="en-US"/>
           </a:p>
@@ -419,7 +419,7 @@
           <a:p>
             <a:fld id="{5B3AD1D6-AE87-C841-B3FD-7C9F7FCAE5AE}" type="datetimeFigureOut">
               <a:rPr lang="en-US" smtClean="0"/>
-              <a:t>12/15/19</a:t>
+              <a:t>12/17/19</a:t>
             </a:fld>
             <a:endParaRPr lang="en-US"/>
           </a:p>
@@ -599,7 +599,7 @@
           <a:p>
             <a:fld id="{5B3AD1D6-AE87-C841-B3FD-7C9F7FCAE5AE}" type="datetimeFigureOut">
               <a:rPr lang="en-US" smtClean="0"/>
-              <a:t>12/15/19</a:t>
+              <a:t>12/17/19</a:t>
             </a:fld>
             <a:endParaRPr lang="en-US"/>
           </a:p>
@@ -769,7 +769,7 @@
           <a:p>
             <a:fld id="{5B3AD1D6-AE87-C841-B3FD-7C9F7FCAE5AE}" type="datetimeFigureOut">
               <a:rPr lang="en-US" smtClean="0"/>
-              <a:t>12/15/19</a:t>
+              <a:t>12/17/19</a:t>
             </a:fld>
             <a:endParaRPr lang="en-US"/>
           </a:p>
@@ -1015,7 +1015,7 @@
           <a:p>
             <a:fld id="{5B3AD1D6-AE87-C841-B3FD-7C9F7FCAE5AE}" type="datetimeFigureOut">
               <a:rPr lang="en-US" smtClean="0"/>
-              <a:t>12/15/19</a:t>
+              <a:t>12/17/19</a:t>
             </a:fld>
             <a:endParaRPr lang="en-US"/>
           </a:p>
@@ -1247,7 +1247,7 @@
           <a:p>
             <a:fld id="{5B3AD1D6-AE87-C841-B3FD-7C9F7FCAE5AE}" type="datetimeFigureOut">
               <a:rPr lang="en-US" smtClean="0"/>
-              <a:t>12/15/19</a:t>
+              <a:t>12/17/19</a:t>
             </a:fld>
             <a:endParaRPr lang="en-US"/>
           </a:p>
@@ -1614,7 +1614,7 @@
           <a:p>
             <a:fld id="{5B3AD1D6-AE87-C841-B3FD-7C9F7FCAE5AE}" type="datetimeFigureOut">
               <a:rPr lang="en-US" smtClean="0"/>
-              <a:t>12/15/19</a:t>
+              <a:t>12/17/19</a:t>
             </a:fld>
             <a:endParaRPr lang="en-US"/>
           </a:p>
@@ -1732,7 +1732,7 @@
           <a:p>
             <a:fld id="{5B3AD1D6-AE87-C841-B3FD-7C9F7FCAE5AE}" type="datetimeFigureOut">
               <a:rPr lang="en-US" smtClean="0"/>
-              <a:t>12/15/19</a:t>
+              <a:t>12/17/19</a:t>
             </a:fld>
             <a:endParaRPr lang="en-US"/>
           </a:p>
@@ -1827,7 +1827,7 @@
           <a:p>
             <a:fld id="{5B3AD1D6-AE87-C841-B3FD-7C9F7FCAE5AE}" type="datetimeFigureOut">
               <a:rPr lang="en-US" smtClean="0"/>
-              <a:t>12/15/19</a:t>
+              <a:t>12/17/19</a:t>
             </a:fld>
             <a:endParaRPr lang="en-US"/>
           </a:p>
@@ -2104,7 +2104,7 @@
           <a:p>
             <a:fld id="{5B3AD1D6-AE87-C841-B3FD-7C9F7FCAE5AE}" type="datetimeFigureOut">
               <a:rPr lang="en-US" smtClean="0"/>
-              <a:t>12/15/19</a:t>
+              <a:t>12/17/19</a:t>
             </a:fld>
             <a:endParaRPr lang="en-US"/>
           </a:p>
@@ -2357,7 +2357,7 @@
           <a:p>
             <a:fld id="{5B3AD1D6-AE87-C841-B3FD-7C9F7FCAE5AE}" type="datetimeFigureOut">
               <a:rPr lang="en-US" smtClean="0"/>
-              <a:t>12/15/19</a:t>
+              <a:t>12/17/19</a:t>
             </a:fld>
             <a:endParaRPr lang="en-US"/>
           </a:p>
@@ -2570,7 +2570,7 @@
           <a:p>
             <a:fld id="{5B3AD1D6-AE87-C841-B3FD-7C9F7FCAE5AE}" type="datetimeFigureOut">
               <a:rPr lang="en-US" smtClean="0"/>
-              <a:t>12/15/19</a:t>
+              <a:t>12/17/19</a:t>
             </a:fld>
             <a:endParaRPr lang="en-US"/>
           </a:p>
@@ -3200,14 +3200,6 @@
               </a:rPr>
               <a:t>Mean and Variance</a:t>
             </a:r>
-            <a:r>
-              <a:rPr lang="en-US" sz="6700" dirty="0" smtClean="0">
-                <a:latin typeface="Arial Black" charset="0"/>
-                <a:ea typeface="Arial Black" charset="0"/>
-                <a:cs typeface="Arial Black" charset="0"/>
-              </a:rPr>
-              <a:t/>
-            </a:r>
             <a:br>
               <a:rPr lang="en-US" sz="6700" dirty="0" smtClean="0">
                 <a:latin typeface="Arial Black" charset="0"/>
@@ -3221,7 +3213,7 @@
                 <a:ea typeface="Arial Black" charset="0"/>
                 <a:cs typeface="Arial Black" charset="0"/>
               </a:rPr>
-              <a:t/>
+              <a:t>2005</a:t>
             </a:r>
             <a:br>
               <a:rPr lang="en-US" sz="6700" dirty="0" smtClean="0">
@@ -3274,6 +3266,13 @@
   <p:clrMapOvr>
     <a:masterClrMapping/>
   </p:clrMapOvr>
+  <p:timing>
+    <p:tnLst>
+      <p:par>
+        <p:cTn id="1" dur="indefinite" restart="never" nodeType="tmRoot"/>
+      </p:par>
+    </p:tnLst>
+  </p:timing>
 </p:sld>
 </file>
 
@@ -3479,15 +3478,7 @@
                 <a:ea typeface="Arial Black" charset="0"/>
                 <a:cs typeface="Arial Black" charset="0"/>
               </a:rPr>
-              <a:t>[</a:t>
-            </a:r>
-            <a:r>
-              <a:rPr lang="en-US" sz="4000" dirty="0" smtClean="0">
-                <a:latin typeface="Arial Black" charset="0"/>
-                <a:ea typeface="Arial Black" charset="0"/>
-                <a:cs typeface="Arial Black" charset="0"/>
-              </a:rPr>
-              <a:t>200</a:t>
+              <a:t>[200</a:t>
             </a:r>
             <a:r>
               <a:rPr lang="en-US" altLang="ko-KR" sz="4000" dirty="0" smtClean="0">
@@ -3553,6 +3544,13 @@
   <p:clrMapOvr>
     <a:masterClrMapping/>
   </p:clrMapOvr>
+  <p:timing>
+    <p:tnLst>
+      <p:par>
+        <p:cTn id="1" dur="indefinite" restart="never" nodeType="tmRoot"/>
+      </p:par>
+    </p:tnLst>
+  </p:timing>
 </p:sld>
 </file>
 
@@ -3673,6 +3671,13 @@
   <p:clrMapOvr>
     <a:masterClrMapping/>
   </p:clrMapOvr>
+  <p:timing>
+    <p:tnLst>
+      <p:par>
+        <p:cTn id="1" dur="indefinite" restart="never" nodeType="tmRoot"/>
+      </p:par>
+    </p:tnLst>
+  </p:timing>
 </p:sld>
 </file>
 
@@ -3793,6 +3798,13 @@
   <p:clrMapOvr>
     <a:masterClrMapping/>
   </p:clrMapOvr>
+  <p:timing>
+    <p:tnLst>
+      <p:par>
+        <p:cTn id="1" dur="indefinite" restart="never" nodeType="tmRoot"/>
+      </p:par>
+    </p:tnLst>
+  </p:timing>
 </p:sld>
 </file>
 
@@ -3913,6 +3925,13 @@
   <p:clrMapOvr>
     <a:masterClrMapping/>
   </p:clrMapOvr>
+  <p:timing>
+    <p:tnLst>
+      <p:par>
+        <p:cTn id="1" dur="indefinite" restart="never" nodeType="tmRoot"/>
+      </p:par>
+    </p:tnLst>
+  </p:timing>
 </p:sld>
 </file>
 
@@ -4003,6 +4022,13 @@
   <p:clrMapOvr>
     <a:masterClrMapping/>
   </p:clrMapOvr>
+  <p:timing>
+    <p:tnLst>
+      <p:par>
+        <p:cTn id="1" dur="indefinite" restart="never" nodeType="tmRoot"/>
+      </p:par>
+    </p:tnLst>
+  </p:timing>
 </p:sld>
 </file>
 
